--- a/ppt/overall_framework_ver1.pptx
+++ b/ppt/overall_framework_ver1.pptx
@@ -9,6 +9,7 @@
     <p:sldId id="257" r:id="rId3"/>
     <p:sldId id="258" r:id="rId4"/>
     <p:sldId id="259" r:id="rId5"/>
+    <p:sldId id="260" r:id="rId6"/>
   </p:sldIdLst>
   <p:sldSz cx="27432000" cy="13716000"/>
   <p:notesSz cx="6858000" cy="9144000"/>
@@ -307,7 +308,7 @@
           <a:p>
             <a:fld id="{0783A7D4-0B1B-4D2C-B1A5-1D8EAF55F2FA}" type="datetimeFigureOut">
               <a:rPr lang="en-US" smtClean="0"/>
-              <a:t>8/23/2018</a:t>
+              <a:t>9/24/2018</a:t>
             </a:fld>
             <a:endParaRPr lang="en-US"/>
           </a:p>
@@ -477,7 +478,7 @@
           <a:p>
             <a:fld id="{0783A7D4-0B1B-4D2C-B1A5-1D8EAF55F2FA}" type="datetimeFigureOut">
               <a:rPr lang="en-US" smtClean="0"/>
-              <a:t>8/23/2018</a:t>
+              <a:t>9/24/2018</a:t>
             </a:fld>
             <a:endParaRPr lang="en-US"/>
           </a:p>
@@ -657,7 +658,7 @@
           <a:p>
             <a:fld id="{0783A7D4-0B1B-4D2C-B1A5-1D8EAF55F2FA}" type="datetimeFigureOut">
               <a:rPr lang="en-US" smtClean="0"/>
-              <a:t>8/23/2018</a:t>
+              <a:t>9/24/2018</a:t>
             </a:fld>
             <a:endParaRPr lang="en-US"/>
           </a:p>
@@ -827,7 +828,7 @@
           <a:p>
             <a:fld id="{0783A7D4-0B1B-4D2C-B1A5-1D8EAF55F2FA}" type="datetimeFigureOut">
               <a:rPr lang="en-US" smtClean="0"/>
-              <a:t>8/23/2018</a:t>
+              <a:t>9/24/2018</a:t>
             </a:fld>
             <a:endParaRPr lang="en-US"/>
           </a:p>
@@ -1073,7 +1074,7 @@
           <a:p>
             <a:fld id="{0783A7D4-0B1B-4D2C-B1A5-1D8EAF55F2FA}" type="datetimeFigureOut">
               <a:rPr lang="en-US" smtClean="0"/>
-              <a:t>8/23/2018</a:t>
+              <a:t>9/24/2018</a:t>
             </a:fld>
             <a:endParaRPr lang="en-US"/>
           </a:p>
@@ -1361,7 +1362,7 @@
           <a:p>
             <a:fld id="{0783A7D4-0B1B-4D2C-B1A5-1D8EAF55F2FA}" type="datetimeFigureOut">
               <a:rPr lang="en-US" smtClean="0"/>
-              <a:t>8/23/2018</a:t>
+              <a:t>9/24/2018</a:t>
             </a:fld>
             <a:endParaRPr lang="en-US"/>
           </a:p>
@@ -1788,7 +1789,7 @@
           <a:p>
             <a:fld id="{0783A7D4-0B1B-4D2C-B1A5-1D8EAF55F2FA}" type="datetimeFigureOut">
               <a:rPr lang="en-US" smtClean="0"/>
-              <a:t>8/23/2018</a:t>
+              <a:t>9/24/2018</a:t>
             </a:fld>
             <a:endParaRPr lang="en-US"/>
           </a:p>
@@ -1906,7 +1907,7 @@
           <a:p>
             <a:fld id="{0783A7D4-0B1B-4D2C-B1A5-1D8EAF55F2FA}" type="datetimeFigureOut">
               <a:rPr lang="en-US" smtClean="0"/>
-              <a:t>8/23/2018</a:t>
+              <a:t>9/24/2018</a:t>
             </a:fld>
             <a:endParaRPr lang="en-US"/>
           </a:p>
@@ -2001,7 +2002,7 @@
           <a:p>
             <a:fld id="{0783A7D4-0B1B-4D2C-B1A5-1D8EAF55F2FA}" type="datetimeFigureOut">
               <a:rPr lang="en-US" smtClean="0"/>
-              <a:t>8/23/2018</a:t>
+              <a:t>9/24/2018</a:t>
             </a:fld>
             <a:endParaRPr lang="en-US"/>
           </a:p>
@@ -2278,7 +2279,7 @@
           <a:p>
             <a:fld id="{0783A7D4-0B1B-4D2C-B1A5-1D8EAF55F2FA}" type="datetimeFigureOut">
               <a:rPr lang="en-US" smtClean="0"/>
-              <a:t>8/23/2018</a:t>
+              <a:t>9/24/2018</a:t>
             </a:fld>
             <a:endParaRPr lang="en-US"/>
           </a:p>
@@ -2531,7 +2532,7 @@
           <a:p>
             <a:fld id="{0783A7D4-0B1B-4D2C-B1A5-1D8EAF55F2FA}" type="datetimeFigureOut">
               <a:rPr lang="en-US" smtClean="0"/>
-              <a:t>8/23/2018</a:t>
+              <a:t>9/24/2018</a:t>
             </a:fld>
             <a:endParaRPr lang="en-US"/>
           </a:p>
@@ -2744,7 +2745,7 @@
           <a:p>
             <a:fld id="{0783A7D4-0B1B-4D2C-B1A5-1D8EAF55F2FA}" type="datetimeFigureOut">
               <a:rPr lang="en-US" smtClean="0"/>
-              <a:t>8/23/2018</a:t>
+              <a:t>9/24/2018</a:t>
             </a:fld>
             <a:endParaRPr lang="en-US"/>
           </a:p>
@@ -12863,6 +12864,1447 @@
 </p:sld>
 </file>
 
+<file path=ppt/slides/slide5.xml><?xml version="1.0" encoding="utf-8"?>
+<p:sld xmlns:a="http://schemas.openxmlformats.org/drawingml/2006/main" xmlns:r="http://schemas.openxmlformats.org/officeDocument/2006/relationships" xmlns:p="http://schemas.openxmlformats.org/presentationml/2006/main">
+  <p:cSld>
+    <p:spTree>
+      <p:nvGrpSpPr>
+        <p:cNvPr id="1" name=""/>
+        <p:cNvGrpSpPr/>
+        <p:nvPr/>
+      </p:nvGrpSpPr>
+      <p:grpSpPr>
+        <a:xfrm>
+          <a:off x="0" y="0"/>
+          <a:ext cx="0" cy="0"/>
+          <a:chOff x="0" y="0"/>
+          <a:chExt cx="0" cy="0"/>
+        </a:xfrm>
+      </p:grpSpPr>
+      <p:sp>
+        <p:nvSpPr>
+          <p:cNvPr id="4" name="Rounded Rectangle 3"/>
+          <p:cNvSpPr/>
+          <p:nvPr/>
+        </p:nvSpPr>
+        <p:spPr>
+          <a:xfrm>
+            <a:off x="6023694" y="1275148"/>
+            <a:ext cx="4949106" cy="4526820"/>
+          </a:xfrm>
+          <a:prstGeom prst="roundRect">
+            <a:avLst>
+              <a:gd name="adj" fmla="val 5412"/>
+            </a:avLst>
+          </a:prstGeom>
+          <a:solidFill>
+            <a:schemeClr val="bg1">
+              <a:lumMod val="95000"/>
+            </a:schemeClr>
+          </a:solidFill>
+          <a:ln w="28575" cap="flat" cmpd="sng" algn="ctr">
+            <a:solidFill>
+              <a:sysClr val="windowText" lastClr="000000"/>
+            </a:solidFill>
+            <a:prstDash val="sysDot"/>
+            <a:miter lim="800000"/>
+          </a:ln>
+          <a:effectLst/>
+        </p:spPr>
+        <p:txBody>
+          <a:bodyPr rtlCol="0" anchor="ctr"/>
+          <a:lstStyle/>
+          <a:p>
+            <a:pPr marL="0" marR="0" lvl="0" indent="0" algn="ctr" defTabSz="914034" eaLnBrk="1" fontAlgn="auto" latinLnBrk="0" hangingPunct="1">
+              <a:lnSpc>
+                <a:spcPct val="100000"/>
+              </a:lnSpc>
+              <a:spcBef>
+                <a:spcPts val="0"/>
+              </a:spcBef>
+              <a:spcAft>
+                <a:spcPts val="0"/>
+              </a:spcAft>
+              <a:buClrTx/>
+              <a:buSzTx/>
+              <a:buFontTx/>
+              <a:buNone/>
+              <a:tabLst/>
+              <a:defRPr/>
+            </a:pPr>
+            <a:endParaRPr kumimoji="0" lang="en-US" sz="1798" b="0" i="0" u="none" strike="noStrike" kern="0" cap="none" spc="0" normalizeH="0" baseline="0" noProof="0" dirty="0">
+              <a:ln>
+                <a:noFill/>
+              </a:ln>
+              <a:solidFill>
+                <a:prstClr val="black"/>
+              </a:solidFill>
+              <a:effectLst/>
+              <a:uLnTx/>
+              <a:uFillTx/>
+              <a:latin typeface="Helvetica" panose="020B0604020202020204" pitchFamily="34" charset="0"/>
+              <a:cs typeface="Helvetica" panose="020B0604020202020204" pitchFamily="34" charset="0"/>
+            </a:endParaRPr>
+          </a:p>
+        </p:txBody>
+      </p:sp>
+      <p:sp>
+        <p:nvSpPr>
+          <p:cNvPr id="5" name="Rounded Rectangle 4"/>
+          <p:cNvSpPr/>
+          <p:nvPr/>
+        </p:nvSpPr>
+        <p:spPr>
+          <a:xfrm>
+            <a:off x="6172200" y="1632319"/>
+            <a:ext cx="2389400" cy="1720174"/>
+          </a:xfrm>
+          <a:prstGeom prst="roundRect">
+            <a:avLst>
+              <a:gd name="adj" fmla="val 5412"/>
+            </a:avLst>
+          </a:prstGeom>
+          <a:solidFill>
+            <a:srgbClr val="5B9BD5">
+              <a:lumMod val="20000"/>
+              <a:lumOff val="80000"/>
+            </a:srgbClr>
+          </a:solidFill>
+          <a:ln w="28575" cap="flat" cmpd="sng" algn="ctr">
+            <a:solidFill>
+              <a:sysClr val="windowText" lastClr="000000"/>
+            </a:solidFill>
+            <a:prstDash val="sysDot"/>
+            <a:miter lim="800000"/>
+          </a:ln>
+          <a:effectLst/>
+        </p:spPr>
+        <p:txBody>
+          <a:bodyPr rtlCol="0" anchor="ctr"/>
+          <a:lstStyle/>
+          <a:p>
+            <a:pPr marL="0" marR="0" lvl="0" indent="0" algn="ctr" defTabSz="914034" eaLnBrk="1" fontAlgn="auto" latinLnBrk="0" hangingPunct="1">
+              <a:lnSpc>
+                <a:spcPct val="100000"/>
+              </a:lnSpc>
+              <a:spcBef>
+                <a:spcPts val="0"/>
+              </a:spcBef>
+              <a:spcAft>
+                <a:spcPts val="0"/>
+              </a:spcAft>
+              <a:buClrTx/>
+              <a:buSzTx/>
+              <a:buFontTx/>
+              <a:buNone/>
+              <a:tabLst/>
+              <a:defRPr/>
+            </a:pPr>
+            <a:endParaRPr kumimoji="0" lang="en-US" sz="1798" b="0" i="0" u="none" strike="noStrike" kern="0" cap="none" spc="0" normalizeH="0" baseline="0" noProof="0" dirty="0">
+              <a:ln>
+                <a:noFill/>
+              </a:ln>
+              <a:solidFill>
+                <a:prstClr val="black"/>
+              </a:solidFill>
+              <a:effectLst/>
+              <a:uLnTx/>
+              <a:uFillTx/>
+              <a:latin typeface="Helvetica" panose="020B0604020202020204" pitchFamily="34" charset="0"/>
+              <a:cs typeface="Helvetica" panose="020B0604020202020204" pitchFamily="34" charset="0"/>
+            </a:endParaRPr>
+          </a:p>
+        </p:txBody>
+      </p:sp>
+      <p:sp>
+        <p:nvSpPr>
+          <p:cNvPr id="6" name="Rounded Rectangle 5"/>
+          <p:cNvSpPr/>
+          <p:nvPr/>
+        </p:nvSpPr>
+        <p:spPr>
+          <a:xfrm>
+            <a:off x="6172200" y="3469641"/>
+            <a:ext cx="2389400" cy="1746410"/>
+          </a:xfrm>
+          <a:prstGeom prst="roundRect">
+            <a:avLst>
+              <a:gd name="adj" fmla="val 5412"/>
+            </a:avLst>
+          </a:prstGeom>
+          <a:solidFill>
+            <a:schemeClr val="accent3">
+              <a:lumMod val="20000"/>
+              <a:lumOff val="80000"/>
+            </a:schemeClr>
+          </a:solidFill>
+          <a:ln w="28575" cap="flat" cmpd="sng" algn="ctr">
+            <a:solidFill>
+              <a:sysClr val="windowText" lastClr="000000"/>
+            </a:solidFill>
+            <a:prstDash val="sysDot"/>
+            <a:miter lim="800000"/>
+          </a:ln>
+          <a:effectLst/>
+        </p:spPr>
+        <p:txBody>
+          <a:bodyPr rtlCol="0" anchor="ctr"/>
+          <a:lstStyle/>
+          <a:p>
+            <a:pPr marL="0" marR="0" lvl="0" indent="0" algn="ctr" defTabSz="914034" eaLnBrk="1" fontAlgn="auto" latinLnBrk="0" hangingPunct="1">
+              <a:lnSpc>
+                <a:spcPct val="100000"/>
+              </a:lnSpc>
+              <a:spcBef>
+                <a:spcPts val="0"/>
+              </a:spcBef>
+              <a:spcAft>
+                <a:spcPts val="0"/>
+              </a:spcAft>
+              <a:buClrTx/>
+              <a:buSzTx/>
+              <a:buFontTx/>
+              <a:buNone/>
+              <a:tabLst/>
+              <a:defRPr/>
+            </a:pPr>
+            <a:endParaRPr kumimoji="0" lang="en-US" sz="1798" b="0" i="0" u="none" strike="noStrike" kern="0" cap="none" spc="0" normalizeH="0" baseline="0" noProof="0" dirty="0">
+              <a:ln>
+                <a:noFill/>
+              </a:ln>
+              <a:solidFill>
+                <a:prstClr val="black"/>
+              </a:solidFill>
+              <a:effectLst/>
+              <a:uLnTx/>
+              <a:uFillTx/>
+              <a:latin typeface="Helvetica" panose="020B0604020202020204" pitchFamily="34" charset="0"/>
+              <a:cs typeface="Helvetica" panose="020B0604020202020204" pitchFamily="34" charset="0"/>
+            </a:endParaRPr>
+          </a:p>
+        </p:txBody>
+      </p:sp>
+      <p:sp>
+        <p:nvSpPr>
+          <p:cNvPr id="8" name="Rounded Rectangle 7"/>
+          <p:cNvSpPr/>
+          <p:nvPr/>
+        </p:nvSpPr>
+        <p:spPr>
+          <a:xfrm>
+            <a:off x="6287117" y="3612008"/>
+            <a:ext cx="2159566" cy="1190858"/>
+          </a:xfrm>
+          <a:prstGeom prst="roundRect">
+            <a:avLst>
+              <a:gd name="adj" fmla="val 10667"/>
+            </a:avLst>
+          </a:prstGeom>
+          <a:solidFill>
+            <a:srgbClr val="5B9BD5">
+              <a:lumMod val="40000"/>
+              <a:lumOff val="60000"/>
+            </a:srgbClr>
+          </a:solidFill>
+          <a:ln w="19050" cap="flat" cmpd="sng" algn="ctr">
+            <a:solidFill>
+              <a:sysClr val="windowText" lastClr="000000"/>
+            </a:solidFill>
+            <a:prstDash val="sysDash"/>
+            <a:miter lim="800000"/>
+          </a:ln>
+          <a:effectLst/>
+        </p:spPr>
+        <p:txBody>
+          <a:bodyPr rtlCol="0" anchor="ctr"/>
+          <a:lstStyle/>
+          <a:p>
+            <a:pPr marL="0" marR="0" lvl="0" indent="0" algn="ctr" defTabSz="914034" eaLnBrk="1" fontAlgn="auto" latinLnBrk="0" hangingPunct="1">
+              <a:lnSpc>
+                <a:spcPct val="100000"/>
+              </a:lnSpc>
+              <a:spcBef>
+                <a:spcPts val="0"/>
+              </a:spcBef>
+              <a:spcAft>
+                <a:spcPts val="0"/>
+              </a:spcAft>
+              <a:buClrTx/>
+              <a:buSzTx/>
+              <a:buFontTx/>
+              <a:buNone/>
+              <a:tabLst/>
+              <a:defRPr/>
+            </a:pPr>
+            <a:endParaRPr kumimoji="0" lang="en-US" sz="1400" b="1" i="0" u="none" strike="noStrike" kern="0" cap="none" spc="0" normalizeH="0" baseline="0" noProof="0" dirty="0">
+              <a:ln>
+                <a:noFill/>
+              </a:ln>
+              <a:solidFill>
+                <a:prstClr val="black"/>
+              </a:solidFill>
+              <a:effectLst/>
+              <a:uLnTx/>
+              <a:uFillTx/>
+              <a:latin typeface="Helvetica" panose="020B0604020202020204" pitchFamily="34" charset="0"/>
+              <a:cs typeface="Helvetica" panose="020B0604020202020204" pitchFamily="34" charset="0"/>
+            </a:endParaRPr>
+          </a:p>
+        </p:txBody>
+      </p:sp>
+      <p:sp>
+        <p:nvSpPr>
+          <p:cNvPr id="9" name="Rectangle 8"/>
+          <p:cNvSpPr/>
+          <p:nvPr/>
+        </p:nvSpPr>
+        <p:spPr>
+          <a:xfrm>
+            <a:off x="6108083" y="4804008"/>
+            <a:ext cx="2531462" cy="369332"/>
+          </a:xfrm>
+          <a:prstGeom prst="rect">
+            <a:avLst/>
+          </a:prstGeom>
+        </p:spPr>
+        <p:txBody>
+          <a:bodyPr wrap="none">
+            <a:spAutoFit/>
+          </a:bodyPr>
+          <a:lstStyle/>
+          <a:p>
+            <a:pPr algn="ctr" defTabSz="914034"/>
+            <a:r>
+              <a:rPr lang="en-US" b="1" dirty="0">
+                <a:solidFill>
+                  <a:prstClr val="black"/>
+                </a:solidFill>
+                <a:latin typeface="Helvetica" panose="020B0604020202020204" pitchFamily="34" charset="0"/>
+                <a:cs typeface="Helvetica" panose="020B0604020202020204" pitchFamily="34" charset="0"/>
+              </a:rPr>
+              <a:t>Commit code module</a:t>
+            </a:r>
+          </a:p>
+        </p:txBody>
+      </p:sp>
+      <p:sp>
+        <p:nvSpPr>
+          <p:cNvPr id="10" name="Rectangle 9"/>
+          <p:cNvSpPr/>
+          <p:nvPr/>
+        </p:nvSpPr>
+        <p:spPr>
+          <a:xfrm>
+            <a:off x="6287118" y="2200018"/>
+            <a:ext cx="2159566" cy="646331"/>
+          </a:xfrm>
+          <a:prstGeom prst="rect">
+            <a:avLst/>
+          </a:prstGeom>
+        </p:spPr>
+        <p:txBody>
+          <a:bodyPr wrap="none">
+            <a:spAutoFit/>
+          </a:bodyPr>
+          <a:lstStyle/>
+          <a:p>
+            <a:pPr algn="ctr" defTabSz="914034"/>
+            <a:r>
+              <a:rPr lang="en-US" b="1" dirty="0">
+                <a:solidFill>
+                  <a:prstClr val="black"/>
+                </a:solidFill>
+                <a:latin typeface="Helvetica" panose="020B0604020202020204" pitchFamily="34" charset="0"/>
+                <a:cs typeface="Helvetica" panose="020B0604020202020204" pitchFamily="34" charset="0"/>
+              </a:rPr>
+              <a:t>Commit message </a:t>
+            </a:r>
+          </a:p>
+          <a:p>
+            <a:pPr algn="ctr" defTabSz="914034"/>
+            <a:r>
+              <a:rPr lang="en-US" b="1" dirty="0">
+                <a:solidFill>
+                  <a:prstClr val="black"/>
+                </a:solidFill>
+                <a:latin typeface="Helvetica" panose="020B0604020202020204" pitchFamily="34" charset="0"/>
+                <a:cs typeface="Helvetica" panose="020B0604020202020204" pitchFamily="34" charset="0"/>
+              </a:rPr>
+              <a:t>module</a:t>
+            </a:r>
+          </a:p>
+        </p:txBody>
+      </p:sp>
+      <p:sp>
+        <p:nvSpPr>
+          <p:cNvPr id="11" name="Right Arrow 10"/>
+          <p:cNvSpPr/>
+          <p:nvPr/>
+        </p:nvSpPr>
+        <p:spPr>
+          <a:xfrm rot="20437697">
+            <a:off x="5252919" y="2754858"/>
+            <a:ext cx="704850" cy="457200"/>
+          </a:xfrm>
+          <a:prstGeom prst="rightArrow">
+            <a:avLst/>
+          </a:prstGeom>
+          <a:solidFill>
+            <a:srgbClr val="A5A5A5"/>
+          </a:solidFill>
+          <a:ln w="12700" cap="flat" cmpd="sng" algn="ctr">
+            <a:noFill/>
+            <a:prstDash val="solid"/>
+            <a:miter lim="800000"/>
+          </a:ln>
+          <a:effectLst/>
+        </p:spPr>
+        <p:txBody>
+          <a:bodyPr rtlCol="0" anchor="ctr"/>
+          <a:lstStyle/>
+          <a:p>
+            <a:pPr marL="0" marR="0" lvl="0" indent="0" algn="ctr" defTabSz="914034" eaLnBrk="1" fontAlgn="auto" latinLnBrk="0" hangingPunct="1">
+              <a:lnSpc>
+                <a:spcPct val="100000"/>
+              </a:lnSpc>
+              <a:spcBef>
+                <a:spcPts val="0"/>
+              </a:spcBef>
+              <a:spcAft>
+                <a:spcPts val="0"/>
+              </a:spcAft>
+              <a:buClrTx/>
+              <a:buSzTx/>
+              <a:buFontTx/>
+              <a:buNone/>
+              <a:tabLst/>
+              <a:defRPr/>
+            </a:pPr>
+            <a:endParaRPr kumimoji="0" lang="en-US" sz="1798" b="0" i="0" u="none" strike="noStrike" kern="0" cap="none" spc="0" normalizeH="0" baseline="0" noProof="0">
+              <a:ln>
+                <a:noFill/>
+              </a:ln>
+              <a:solidFill>
+                <a:prstClr val="white"/>
+              </a:solidFill>
+              <a:effectLst/>
+              <a:uLnTx/>
+              <a:uFillTx/>
+              <a:latin typeface="Calibri" panose="020F0502020204030204"/>
+            </a:endParaRPr>
+          </a:p>
+        </p:txBody>
+      </p:sp>
+      <p:sp>
+        <p:nvSpPr>
+          <p:cNvPr id="12" name="Right Arrow 11"/>
+          <p:cNvSpPr/>
+          <p:nvPr/>
+        </p:nvSpPr>
+        <p:spPr>
+          <a:xfrm rot="1380132">
+            <a:off x="5258354" y="3645942"/>
+            <a:ext cx="704850" cy="457200"/>
+          </a:xfrm>
+          <a:prstGeom prst="rightArrow">
+            <a:avLst/>
+          </a:prstGeom>
+          <a:solidFill>
+            <a:srgbClr val="A5A5A5"/>
+          </a:solidFill>
+          <a:ln w="12700" cap="flat" cmpd="sng" algn="ctr">
+            <a:noFill/>
+            <a:prstDash val="solid"/>
+            <a:miter lim="800000"/>
+          </a:ln>
+          <a:effectLst/>
+        </p:spPr>
+        <p:txBody>
+          <a:bodyPr rtlCol="0" anchor="ctr"/>
+          <a:lstStyle/>
+          <a:p>
+            <a:pPr marL="0" marR="0" lvl="0" indent="0" algn="ctr" defTabSz="914034" eaLnBrk="1" fontAlgn="auto" latinLnBrk="0" hangingPunct="1">
+              <a:lnSpc>
+                <a:spcPct val="100000"/>
+              </a:lnSpc>
+              <a:spcBef>
+                <a:spcPts val="0"/>
+              </a:spcBef>
+              <a:spcAft>
+                <a:spcPts val="0"/>
+              </a:spcAft>
+              <a:buClrTx/>
+              <a:buSzTx/>
+              <a:buFontTx/>
+              <a:buNone/>
+              <a:tabLst/>
+              <a:defRPr/>
+            </a:pPr>
+            <a:endParaRPr kumimoji="0" lang="en-US" sz="1798" b="0" i="0" u="none" strike="noStrike" kern="0" cap="none" spc="0" normalizeH="0" baseline="0" noProof="0">
+              <a:ln>
+                <a:noFill/>
+              </a:ln>
+              <a:solidFill>
+                <a:prstClr val="white"/>
+              </a:solidFill>
+              <a:effectLst/>
+              <a:uLnTx/>
+              <a:uFillTx/>
+              <a:latin typeface="Calibri" panose="020F0502020204030204"/>
+            </a:endParaRPr>
+          </a:p>
+        </p:txBody>
+      </p:sp>
+      <p:sp>
+        <p:nvSpPr>
+          <p:cNvPr id="13" name="Right Arrow 12"/>
+          <p:cNvSpPr/>
+          <p:nvPr/>
+        </p:nvSpPr>
+        <p:spPr>
+          <a:xfrm>
+            <a:off x="8645886" y="2263805"/>
+            <a:ext cx="458637" cy="457200"/>
+          </a:xfrm>
+          <a:prstGeom prst="rightArrow">
+            <a:avLst/>
+          </a:prstGeom>
+          <a:solidFill>
+            <a:srgbClr val="A5A5A5"/>
+          </a:solidFill>
+          <a:ln w="12700" cap="flat" cmpd="sng" algn="ctr">
+            <a:noFill/>
+            <a:prstDash val="solid"/>
+            <a:miter lim="800000"/>
+          </a:ln>
+          <a:effectLst/>
+        </p:spPr>
+        <p:txBody>
+          <a:bodyPr rtlCol="0" anchor="ctr"/>
+          <a:lstStyle/>
+          <a:p>
+            <a:pPr marL="0" marR="0" lvl="0" indent="0" algn="ctr" defTabSz="914034" eaLnBrk="1" fontAlgn="auto" latinLnBrk="0" hangingPunct="1">
+              <a:lnSpc>
+                <a:spcPct val="100000"/>
+              </a:lnSpc>
+              <a:spcBef>
+                <a:spcPts val="0"/>
+              </a:spcBef>
+              <a:spcAft>
+                <a:spcPts val="0"/>
+              </a:spcAft>
+              <a:buClrTx/>
+              <a:buSzTx/>
+              <a:buFontTx/>
+              <a:buNone/>
+              <a:tabLst/>
+              <a:defRPr/>
+            </a:pPr>
+            <a:endParaRPr kumimoji="0" lang="en-US" sz="1798" b="0" i="0" u="none" strike="noStrike" kern="0" cap="none" spc="0" normalizeH="0" baseline="0" noProof="0">
+              <a:ln>
+                <a:noFill/>
+              </a:ln>
+              <a:solidFill>
+                <a:prstClr val="white"/>
+              </a:solidFill>
+              <a:effectLst/>
+              <a:uLnTx/>
+              <a:uFillTx/>
+              <a:latin typeface="Calibri" panose="020F0502020204030204"/>
+            </a:endParaRPr>
+          </a:p>
+        </p:txBody>
+      </p:sp>
+      <p:sp>
+        <p:nvSpPr>
+          <p:cNvPr id="14" name="Right Arrow 13"/>
+          <p:cNvSpPr/>
+          <p:nvPr/>
+        </p:nvSpPr>
+        <p:spPr>
+          <a:xfrm>
+            <a:off x="8645886" y="4114246"/>
+            <a:ext cx="458637" cy="457200"/>
+          </a:xfrm>
+          <a:prstGeom prst="rightArrow">
+            <a:avLst/>
+          </a:prstGeom>
+          <a:solidFill>
+            <a:srgbClr val="A5A5A5"/>
+          </a:solidFill>
+          <a:ln w="12700" cap="flat" cmpd="sng" algn="ctr">
+            <a:noFill/>
+            <a:prstDash val="solid"/>
+            <a:miter lim="800000"/>
+          </a:ln>
+          <a:effectLst/>
+        </p:spPr>
+        <p:txBody>
+          <a:bodyPr rtlCol="0" anchor="ctr"/>
+          <a:lstStyle/>
+          <a:p>
+            <a:pPr marL="0" marR="0" lvl="0" indent="0" algn="ctr" defTabSz="914034" eaLnBrk="1" fontAlgn="auto" latinLnBrk="0" hangingPunct="1">
+              <a:lnSpc>
+                <a:spcPct val="100000"/>
+              </a:lnSpc>
+              <a:spcBef>
+                <a:spcPts val="0"/>
+              </a:spcBef>
+              <a:spcAft>
+                <a:spcPts val="0"/>
+              </a:spcAft>
+              <a:buClrTx/>
+              <a:buSzTx/>
+              <a:buFontTx/>
+              <a:buNone/>
+              <a:tabLst/>
+              <a:defRPr/>
+            </a:pPr>
+            <a:endParaRPr kumimoji="0" lang="en-US" sz="1798" b="0" i="0" u="none" strike="noStrike" kern="0" cap="none" spc="0" normalizeH="0" baseline="0" noProof="0">
+              <a:ln>
+                <a:noFill/>
+              </a:ln>
+              <a:solidFill>
+                <a:prstClr val="white"/>
+              </a:solidFill>
+              <a:effectLst/>
+              <a:uLnTx/>
+              <a:uFillTx/>
+              <a:latin typeface="Calibri" panose="020F0502020204030204"/>
+            </a:endParaRPr>
+          </a:p>
+        </p:txBody>
+      </p:sp>
+      <p:pic>
+        <p:nvPicPr>
+          <p:cNvPr id="15" name="Picture 14"/>
+          <p:cNvPicPr>
+            <a:picLocks noChangeAspect="1"/>
+          </p:cNvPicPr>
+          <p:nvPr/>
+        </p:nvPicPr>
+        <p:blipFill>
+          <a:blip r:embed="rId2"/>
+          <a:stretch>
+            <a:fillRect/>
+          </a:stretch>
+        </p:blipFill>
+        <p:spPr>
+          <a:xfrm>
+            <a:off x="9158966" y="1622271"/>
+            <a:ext cx="528850" cy="1730222"/>
+          </a:xfrm>
+          <a:prstGeom prst="rect">
+            <a:avLst/>
+          </a:prstGeom>
+        </p:spPr>
+      </p:pic>
+      <p:pic>
+        <p:nvPicPr>
+          <p:cNvPr id="16" name="Picture 15"/>
+          <p:cNvPicPr>
+            <a:picLocks noChangeAspect="1"/>
+          </p:cNvPicPr>
+          <p:nvPr/>
+        </p:nvPicPr>
+        <p:blipFill>
+          <a:blip r:embed="rId3"/>
+          <a:stretch>
+            <a:fillRect/>
+          </a:stretch>
+        </p:blipFill>
+        <p:spPr>
+          <a:xfrm>
+            <a:off x="9169400" y="3469641"/>
+            <a:ext cx="518416" cy="1770435"/>
+          </a:xfrm>
+          <a:prstGeom prst="rect">
+            <a:avLst/>
+          </a:prstGeom>
+        </p:spPr>
+      </p:pic>
+      <p:sp>
+        <p:nvSpPr>
+          <p:cNvPr id="17" name="Right Arrow 16"/>
+          <p:cNvSpPr/>
+          <p:nvPr/>
+        </p:nvSpPr>
+        <p:spPr>
+          <a:xfrm>
+            <a:off x="9793607" y="2263805"/>
+            <a:ext cx="458637" cy="457200"/>
+          </a:xfrm>
+          <a:prstGeom prst="rightArrow">
+            <a:avLst/>
+          </a:prstGeom>
+          <a:solidFill>
+            <a:srgbClr val="A5A5A5"/>
+          </a:solidFill>
+          <a:ln w="12700" cap="flat" cmpd="sng" algn="ctr">
+            <a:noFill/>
+            <a:prstDash val="solid"/>
+            <a:miter lim="800000"/>
+          </a:ln>
+          <a:effectLst/>
+        </p:spPr>
+        <p:txBody>
+          <a:bodyPr rtlCol="0" anchor="ctr"/>
+          <a:lstStyle/>
+          <a:p>
+            <a:pPr marL="0" marR="0" lvl="0" indent="0" algn="ctr" defTabSz="914034" eaLnBrk="1" fontAlgn="auto" latinLnBrk="0" hangingPunct="1">
+              <a:lnSpc>
+                <a:spcPct val="100000"/>
+              </a:lnSpc>
+              <a:spcBef>
+                <a:spcPts val="0"/>
+              </a:spcBef>
+              <a:spcAft>
+                <a:spcPts val="0"/>
+              </a:spcAft>
+              <a:buClrTx/>
+              <a:buSzTx/>
+              <a:buFontTx/>
+              <a:buNone/>
+              <a:tabLst/>
+              <a:defRPr/>
+            </a:pPr>
+            <a:endParaRPr kumimoji="0" lang="en-US" sz="1798" b="0" i="0" u="none" strike="noStrike" kern="0" cap="none" spc="0" normalizeH="0" baseline="0" noProof="0">
+              <a:ln>
+                <a:noFill/>
+              </a:ln>
+              <a:solidFill>
+                <a:prstClr val="white"/>
+              </a:solidFill>
+              <a:effectLst/>
+              <a:uLnTx/>
+              <a:uFillTx/>
+              <a:latin typeface="Calibri" panose="020F0502020204030204"/>
+            </a:endParaRPr>
+          </a:p>
+        </p:txBody>
+      </p:sp>
+      <p:sp>
+        <p:nvSpPr>
+          <p:cNvPr id="18" name="Right Arrow 17"/>
+          <p:cNvSpPr/>
+          <p:nvPr/>
+        </p:nvSpPr>
+        <p:spPr>
+          <a:xfrm>
+            <a:off x="9812771" y="4114246"/>
+            <a:ext cx="458637" cy="457200"/>
+          </a:xfrm>
+          <a:prstGeom prst="rightArrow">
+            <a:avLst/>
+          </a:prstGeom>
+          <a:solidFill>
+            <a:srgbClr val="A5A5A5"/>
+          </a:solidFill>
+          <a:ln w="12700" cap="flat" cmpd="sng" algn="ctr">
+            <a:noFill/>
+            <a:prstDash val="solid"/>
+            <a:miter lim="800000"/>
+          </a:ln>
+          <a:effectLst/>
+        </p:spPr>
+        <p:txBody>
+          <a:bodyPr rtlCol="0" anchor="ctr"/>
+          <a:lstStyle/>
+          <a:p>
+            <a:pPr marL="0" marR="0" lvl="0" indent="0" algn="ctr" defTabSz="914034" eaLnBrk="1" fontAlgn="auto" latinLnBrk="0" hangingPunct="1">
+              <a:lnSpc>
+                <a:spcPct val="100000"/>
+              </a:lnSpc>
+              <a:spcBef>
+                <a:spcPts val="0"/>
+              </a:spcBef>
+              <a:spcAft>
+                <a:spcPts val="0"/>
+              </a:spcAft>
+              <a:buClrTx/>
+              <a:buSzTx/>
+              <a:buFontTx/>
+              <a:buNone/>
+              <a:tabLst/>
+              <a:defRPr/>
+            </a:pPr>
+            <a:endParaRPr kumimoji="0" lang="en-US" sz="1798" b="0" i="0" u="none" strike="noStrike" kern="0" cap="none" spc="0" normalizeH="0" baseline="0" noProof="0">
+              <a:ln>
+                <a:noFill/>
+              </a:ln>
+              <a:solidFill>
+                <a:prstClr val="white"/>
+              </a:solidFill>
+              <a:effectLst/>
+              <a:uLnTx/>
+              <a:uFillTx/>
+              <a:latin typeface="Calibri" panose="020F0502020204030204"/>
+            </a:endParaRPr>
+          </a:p>
+        </p:txBody>
+      </p:sp>
+      <mc:AlternateContent xmlns:mc="http://schemas.openxmlformats.org/markup-compatibility/2006" xmlns:a14="http://schemas.microsoft.com/office/drawing/2010/main">
+        <mc:Choice Requires="a14">
+          <p:sp>
+            <p:nvSpPr>
+              <p:cNvPr id="19" name="TextBox 18"/>
+              <p:cNvSpPr txBox="1"/>
+              <p:nvPr/>
+            </p:nvSpPr>
+            <p:spPr>
+              <a:xfrm>
+                <a:off x="9117221" y="1115246"/>
+                <a:ext cx="506556" cy="523220"/>
+              </a:xfrm>
+              <a:prstGeom prst="rect">
+                <a:avLst/>
+              </a:prstGeom>
+              <a:noFill/>
+            </p:spPr>
+            <p:txBody>
+              <a:bodyPr wrap="square" rtlCol="0">
+                <a:spAutoFit/>
+              </a:bodyPr>
+              <a:lstStyle/>
+              <a:p>
+                <a:pPr marL="0" marR="0" lvl="0" indent="0" defTabSz="914034" eaLnBrk="1" fontAlgn="auto" latinLnBrk="0" hangingPunct="1">
+                  <a:lnSpc>
+                    <a:spcPct val="100000"/>
+                  </a:lnSpc>
+                  <a:spcBef>
+                    <a:spcPts val="0"/>
+                  </a:spcBef>
+                  <a:spcAft>
+                    <a:spcPts val="0"/>
+                  </a:spcAft>
+                  <a:buClrTx/>
+                  <a:buSzTx/>
+                  <a:buFontTx/>
+                  <a:buNone/>
+                  <a:tabLst/>
+                  <a:defRPr/>
+                </a:pPr>
+                <a14:m>
+                  <m:oMathPara xmlns:m="http://schemas.openxmlformats.org/officeDocument/2006/math">
+                    <m:oMathParaPr>
+                      <m:jc m:val="centerGroup"/>
+                    </m:oMathParaPr>
+                    <m:oMath xmlns:m="http://schemas.openxmlformats.org/officeDocument/2006/math">
+                      <m:sSub>
+                        <m:sSubPr>
+                          <m:ctrlPr>
+                            <a:rPr kumimoji="0" lang="en-US" sz="2800" b="1" i="1" u="none" strike="noStrike" kern="0" cap="none" spc="0" normalizeH="0" baseline="0" noProof="0" smtClean="0">
+                              <a:ln>
+                                <a:noFill/>
+                              </a:ln>
+                              <a:solidFill>
+                                <a:prstClr val="black"/>
+                              </a:solidFill>
+                              <a:effectLst/>
+                              <a:uLnTx/>
+                              <a:uFillTx/>
+                              <a:latin typeface="Cambria Math" panose="02040503050406030204" pitchFamily="18" charset="0"/>
+                            </a:rPr>
+                          </m:ctrlPr>
+                        </m:sSubPr>
+                        <m:e>
+                          <m:r>
+                            <m:rPr>
+                              <m:nor/>
+                            </m:rPr>
+                            <a:rPr kumimoji="0" lang="en-US" sz="2800" b="1" i="0" u="none" strike="noStrike" kern="0" cap="none" spc="0" normalizeH="0" baseline="0" noProof="0" smtClean="0">
+                              <a:ln>
+                                <a:noFill/>
+                              </a:ln>
+                              <a:solidFill>
+                                <a:prstClr val="black"/>
+                              </a:solidFill>
+                              <a:effectLst/>
+                              <a:uLnTx/>
+                              <a:uFillTx/>
+                              <a:latin typeface="Cambria Math" panose="02040503050406030204" pitchFamily="18" charset="0"/>
+                            </a:rPr>
+                            <m:t>e</m:t>
+                          </m:r>
+                        </m:e>
+                        <m:sub>
+                          <m:r>
+                            <a:rPr kumimoji="0" lang="en-US" sz="2800" b="0" i="1" u="none" strike="noStrike" kern="0" cap="none" spc="0" normalizeH="0" baseline="0" noProof="0" smtClean="0">
+                              <a:ln>
+                                <a:noFill/>
+                              </a:ln>
+                              <a:solidFill>
+                                <a:prstClr val="black"/>
+                              </a:solidFill>
+                              <a:effectLst/>
+                              <a:uLnTx/>
+                              <a:uFillTx/>
+                              <a:latin typeface="Cambria Math" panose="02040503050406030204" pitchFamily="18" charset="0"/>
+                            </a:rPr>
+                            <m:t>𝑚</m:t>
+                          </m:r>
+                        </m:sub>
+                      </m:sSub>
+                    </m:oMath>
+                  </m:oMathPara>
+                </a14:m>
+                <a:endParaRPr kumimoji="0" lang="en-US" sz="2800" b="1" i="0" u="none" strike="noStrike" kern="0" cap="none" spc="0" normalizeH="0" baseline="0" noProof="0" dirty="0">
+                  <a:ln>
+                    <a:noFill/>
+                  </a:ln>
+                  <a:solidFill>
+                    <a:prstClr val="black"/>
+                  </a:solidFill>
+                  <a:effectLst/>
+                  <a:uLnTx/>
+                  <a:uFillTx/>
+                </a:endParaRPr>
+              </a:p>
+            </p:txBody>
+          </p:sp>
+        </mc:Choice>
+        <mc:Fallback xmlns="">
+          <p:sp>
+            <p:nvSpPr>
+              <p:cNvPr id="19" name="TextBox 18"/>
+              <p:cNvSpPr txBox="1">
+                <a:spLocks noRot="1" noChangeAspect="1" noMove="1" noResize="1" noEditPoints="1" noAdjustHandles="1" noChangeArrowheads="1" noChangeShapeType="1" noTextEdit="1"/>
+              </p:cNvSpPr>
+              <p:nvPr/>
+            </p:nvSpPr>
+            <p:spPr>
+              <a:xfrm>
+                <a:off x="9117221" y="1115246"/>
+                <a:ext cx="506556" cy="523220"/>
+              </a:xfrm>
+              <a:prstGeom prst="rect">
+                <a:avLst/>
+              </a:prstGeom>
+              <a:blipFill>
+                <a:blip r:embed="rId4"/>
+                <a:stretch>
+                  <a:fillRect/>
+                </a:stretch>
+              </a:blipFill>
+            </p:spPr>
+            <p:txBody>
+              <a:bodyPr/>
+              <a:lstStyle/>
+              <a:p>
+                <a:r>
+                  <a:rPr lang="en-US">
+                    <a:noFill/>
+                  </a:rPr>
+                  <a:t> </a:t>
+                </a:r>
+              </a:p>
+            </p:txBody>
+          </p:sp>
+        </mc:Fallback>
+      </mc:AlternateContent>
+      <mc:AlternateContent xmlns:mc="http://schemas.openxmlformats.org/markup-compatibility/2006" xmlns:a14="http://schemas.microsoft.com/office/drawing/2010/main">
+        <mc:Choice Requires="a14">
+          <p:sp>
+            <p:nvSpPr>
+              <p:cNvPr id="20" name="TextBox 19"/>
+              <p:cNvSpPr txBox="1"/>
+              <p:nvPr/>
+            </p:nvSpPr>
+            <p:spPr>
+              <a:xfrm>
+                <a:off x="9181943" y="5095614"/>
+                <a:ext cx="506556" cy="523220"/>
+              </a:xfrm>
+              <a:prstGeom prst="rect">
+                <a:avLst/>
+              </a:prstGeom>
+              <a:noFill/>
+            </p:spPr>
+            <p:txBody>
+              <a:bodyPr wrap="square" rtlCol="0">
+                <a:spAutoFit/>
+              </a:bodyPr>
+              <a:lstStyle/>
+              <a:p>
+                <a:pPr marL="0" marR="0" lvl="0" indent="0" defTabSz="914034" eaLnBrk="1" fontAlgn="auto" latinLnBrk="0" hangingPunct="1">
+                  <a:lnSpc>
+                    <a:spcPct val="100000"/>
+                  </a:lnSpc>
+                  <a:spcBef>
+                    <a:spcPts val="0"/>
+                  </a:spcBef>
+                  <a:spcAft>
+                    <a:spcPts val="0"/>
+                  </a:spcAft>
+                  <a:buClrTx/>
+                  <a:buSzTx/>
+                  <a:buFontTx/>
+                  <a:buNone/>
+                  <a:tabLst/>
+                  <a:defRPr/>
+                </a:pPr>
+                <a14:m>
+                  <m:oMathPara xmlns:m="http://schemas.openxmlformats.org/officeDocument/2006/math">
+                    <m:oMathParaPr>
+                      <m:jc m:val="centerGroup"/>
+                    </m:oMathParaPr>
+                    <m:oMath xmlns:m="http://schemas.openxmlformats.org/officeDocument/2006/math">
+                      <m:sSub>
+                        <m:sSubPr>
+                          <m:ctrlPr>
+                            <a:rPr kumimoji="0" lang="en-US" sz="2800" b="1" i="1" u="none" strike="noStrike" kern="0" cap="none" spc="0" normalizeH="0" baseline="0" noProof="0" smtClean="0">
+                              <a:ln>
+                                <a:noFill/>
+                              </a:ln>
+                              <a:solidFill>
+                                <a:prstClr val="black"/>
+                              </a:solidFill>
+                              <a:effectLst/>
+                              <a:uLnTx/>
+                              <a:uFillTx/>
+                              <a:latin typeface="Cambria Math" panose="02040503050406030204" pitchFamily="18" charset="0"/>
+                            </a:rPr>
+                          </m:ctrlPr>
+                        </m:sSubPr>
+                        <m:e>
+                          <m:r>
+                            <m:rPr>
+                              <m:nor/>
+                            </m:rPr>
+                            <a:rPr kumimoji="0" lang="en-US" sz="2800" b="1" i="0" u="none" strike="noStrike" kern="0" cap="none" spc="0" normalizeH="0" baseline="0" noProof="0" smtClean="0">
+                              <a:ln>
+                                <a:noFill/>
+                              </a:ln>
+                              <a:solidFill>
+                                <a:prstClr val="black"/>
+                              </a:solidFill>
+                              <a:effectLst/>
+                              <a:uLnTx/>
+                              <a:uFillTx/>
+                              <a:latin typeface="Cambria Math" panose="02040503050406030204" pitchFamily="18" charset="0"/>
+                            </a:rPr>
+                            <m:t>e</m:t>
+                          </m:r>
+                        </m:e>
+                        <m:sub>
+                          <m:r>
+                            <a:rPr kumimoji="0" lang="en-US" sz="2800" b="0" i="1" u="none" strike="noStrike" kern="0" cap="none" spc="0" normalizeH="0" baseline="0" noProof="0" smtClean="0">
+                              <a:ln>
+                                <a:noFill/>
+                              </a:ln>
+                              <a:solidFill>
+                                <a:prstClr val="black"/>
+                              </a:solidFill>
+                              <a:effectLst/>
+                              <a:uLnTx/>
+                              <a:uFillTx/>
+                              <a:latin typeface="Cambria Math" panose="02040503050406030204" pitchFamily="18" charset="0"/>
+                            </a:rPr>
+                            <m:t>𝑐</m:t>
+                          </m:r>
+                        </m:sub>
+                      </m:sSub>
+                    </m:oMath>
+                  </m:oMathPara>
+                </a14:m>
+                <a:endParaRPr kumimoji="0" lang="en-US" sz="2800" b="1" i="0" u="none" strike="noStrike" kern="0" cap="none" spc="0" normalizeH="0" baseline="0" noProof="0" dirty="0">
+                  <a:ln>
+                    <a:noFill/>
+                  </a:ln>
+                  <a:solidFill>
+                    <a:prstClr val="black"/>
+                  </a:solidFill>
+                  <a:effectLst/>
+                  <a:uLnTx/>
+                  <a:uFillTx/>
+                </a:endParaRPr>
+              </a:p>
+            </p:txBody>
+          </p:sp>
+        </mc:Choice>
+        <mc:Fallback xmlns="">
+          <p:sp>
+            <p:nvSpPr>
+              <p:cNvPr id="20" name="TextBox 19"/>
+              <p:cNvSpPr txBox="1">
+                <a:spLocks noRot="1" noChangeAspect="1" noMove="1" noResize="1" noEditPoints="1" noAdjustHandles="1" noChangeArrowheads="1" noChangeShapeType="1" noTextEdit="1"/>
+              </p:cNvSpPr>
+              <p:nvPr/>
+            </p:nvSpPr>
+            <p:spPr>
+              <a:xfrm>
+                <a:off x="9181943" y="5095614"/>
+                <a:ext cx="506556" cy="523220"/>
+              </a:xfrm>
+              <a:prstGeom prst="rect">
+                <a:avLst/>
+              </a:prstGeom>
+              <a:blipFill>
+                <a:blip r:embed="rId5"/>
+                <a:stretch>
+                  <a:fillRect/>
+                </a:stretch>
+              </a:blipFill>
+            </p:spPr>
+            <p:txBody>
+              <a:bodyPr/>
+              <a:lstStyle/>
+              <a:p>
+                <a:r>
+                  <a:rPr lang="en-US">
+                    <a:noFill/>
+                  </a:rPr>
+                  <a:t> </a:t>
+                </a:r>
+              </a:p>
+            </p:txBody>
+          </p:sp>
+        </mc:Fallback>
+      </mc:AlternateContent>
+      <p:grpSp>
+        <p:nvGrpSpPr>
+          <p:cNvPr id="21" name="Group 20"/>
+          <p:cNvGrpSpPr/>
+          <p:nvPr/>
+        </p:nvGrpSpPr>
+        <p:grpSpPr>
+          <a:xfrm>
+            <a:off x="10340105" y="1624221"/>
+            <a:ext cx="533092" cy="3615855"/>
+            <a:chOff x="11458418" y="1571750"/>
+            <a:chExt cx="533092" cy="3615855"/>
+          </a:xfrm>
+        </p:grpSpPr>
+        <p:sp>
+          <p:nvSpPr>
+            <p:cNvPr id="22" name="Rounded Rectangle 21"/>
+            <p:cNvSpPr/>
+            <p:nvPr/>
+          </p:nvSpPr>
+          <p:spPr>
+            <a:xfrm>
+              <a:off x="11458418" y="1571750"/>
+              <a:ext cx="533092" cy="3615855"/>
+            </a:xfrm>
+            <a:prstGeom prst="roundRect">
+              <a:avLst>
+                <a:gd name="adj" fmla="val 5412"/>
+              </a:avLst>
+            </a:prstGeom>
+            <a:solidFill>
+              <a:srgbClr val="44546A">
+                <a:lumMod val="20000"/>
+                <a:lumOff val="80000"/>
+              </a:srgbClr>
+            </a:solidFill>
+            <a:ln w="28575" cap="flat" cmpd="sng" algn="ctr">
+              <a:solidFill>
+                <a:sysClr val="windowText" lastClr="000000"/>
+              </a:solidFill>
+              <a:prstDash val="sysDot"/>
+              <a:miter lim="800000"/>
+            </a:ln>
+            <a:effectLst/>
+          </p:spPr>
+          <p:txBody>
+            <a:bodyPr rtlCol="0" anchor="ctr"/>
+            <a:lstStyle/>
+            <a:p>
+              <a:pPr marL="0" marR="0" lvl="0" indent="0" algn="ctr" defTabSz="914034" eaLnBrk="1" fontAlgn="auto" latinLnBrk="0" hangingPunct="1">
+                <a:lnSpc>
+                  <a:spcPct val="100000"/>
+                </a:lnSpc>
+                <a:spcBef>
+                  <a:spcPts val="0"/>
+                </a:spcBef>
+                <a:spcAft>
+                  <a:spcPts val="0"/>
+                </a:spcAft>
+                <a:buClrTx/>
+                <a:buSzTx/>
+                <a:buFontTx/>
+                <a:buNone/>
+                <a:tabLst/>
+                <a:defRPr/>
+              </a:pPr>
+              <a:endParaRPr kumimoji="0" lang="en-US" sz="1798" b="0" i="0" u="none" strike="noStrike" kern="0" cap="none" spc="0" normalizeH="0" baseline="0" noProof="0" dirty="0">
+                <a:ln>
+                  <a:noFill/>
+                </a:ln>
+                <a:solidFill>
+                  <a:prstClr val="black"/>
+                </a:solidFill>
+                <a:effectLst/>
+                <a:uLnTx/>
+                <a:uFillTx/>
+                <a:latin typeface="Helvetica" panose="020B0604020202020204" pitchFamily="34" charset="0"/>
+                <a:cs typeface="Helvetica" panose="020B0604020202020204" pitchFamily="34" charset="0"/>
+              </a:endParaRPr>
+            </a:p>
+          </p:txBody>
+        </p:sp>
+        <p:sp>
+          <p:nvSpPr>
+            <p:cNvPr id="23" name="Rectangle 22"/>
+            <p:cNvSpPr/>
+            <p:nvPr/>
+          </p:nvSpPr>
+          <p:spPr>
+            <a:xfrm rot="5400000">
+              <a:off x="10043254" y="3201350"/>
+              <a:ext cx="3363421" cy="461665"/>
+            </a:xfrm>
+            <a:prstGeom prst="rect">
+              <a:avLst/>
+            </a:prstGeom>
+          </p:spPr>
+          <p:txBody>
+            <a:bodyPr wrap="none">
+              <a:spAutoFit/>
+            </a:bodyPr>
+            <a:lstStyle/>
+            <a:p>
+              <a:pPr algn="ctr" defTabSz="914034"/>
+              <a:r>
+                <a:rPr lang="en-US" sz="2400" b="1" dirty="0">
+                  <a:solidFill>
+                    <a:prstClr val="black"/>
+                  </a:solidFill>
+                  <a:latin typeface="Helvetica" panose="020B0604020202020204" pitchFamily="34" charset="0"/>
+                  <a:cs typeface="Helvetica" panose="020B0604020202020204" pitchFamily="34" charset="0"/>
+                </a:rPr>
+                <a:t>Classification module</a:t>
+              </a:r>
+            </a:p>
+          </p:txBody>
+        </p:sp>
+      </p:grpSp>
+      <p:sp>
+        <p:nvSpPr>
+          <p:cNvPr id="24" name="TextBox 23"/>
+          <p:cNvSpPr txBox="1"/>
+          <p:nvPr/>
+        </p:nvSpPr>
+        <p:spPr>
+          <a:xfrm>
+            <a:off x="3333240" y="3242676"/>
+            <a:ext cx="1864903" cy="369332"/>
+          </a:xfrm>
+          <a:prstGeom prst="rect">
+            <a:avLst/>
+          </a:prstGeom>
+          <a:noFill/>
+          <a:ln w="28575">
+            <a:solidFill>
+              <a:schemeClr val="tx1"/>
+            </a:solidFill>
+            <a:prstDash val="sysDash"/>
+          </a:ln>
+        </p:spPr>
+        <p:txBody>
+          <a:bodyPr wrap="square" rtlCol="0">
+            <a:spAutoFit/>
+          </a:bodyPr>
+          <a:lstStyle/>
+          <a:p>
+            <a:pPr algn="ctr"/>
+            <a:r>
+              <a:rPr lang="en-US" dirty="0" smtClean="0">
+                <a:latin typeface="Helvetica" panose="020B0604020202020204" pitchFamily="34" charset="0"/>
+                <a:cs typeface="Helvetica" panose="020B0604020202020204" pitchFamily="34" charset="0"/>
+              </a:rPr>
+              <a:t>a sample </a:t>
+            </a:r>
+            <a:r>
+              <a:rPr lang="en-US" dirty="0" smtClean="0">
+                <a:latin typeface="Helvetica" panose="020B0604020202020204" pitchFamily="34" charset="0"/>
+                <a:cs typeface="Helvetica" panose="020B0604020202020204" pitchFamily="34" charset="0"/>
+              </a:rPr>
+              <a:t>patch</a:t>
+            </a:r>
+            <a:endParaRPr lang="en-US" dirty="0">
+              <a:latin typeface="Helvetica" panose="020B0604020202020204" pitchFamily="34" charset="0"/>
+              <a:cs typeface="Helvetica" panose="020B0604020202020204" pitchFamily="34" charset="0"/>
+            </a:endParaRPr>
+          </a:p>
+        </p:txBody>
+      </p:sp>
+      <p:sp>
+        <p:nvSpPr>
+          <p:cNvPr id="25" name="Rectangle 24"/>
+          <p:cNvSpPr/>
+          <p:nvPr/>
+        </p:nvSpPr>
+        <p:spPr>
+          <a:xfrm>
+            <a:off x="6047245" y="5168925"/>
+            <a:ext cx="2185214" cy="646331"/>
+          </a:xfrm>
+          <a:prstGeom prst="rect">
+            <a:avLst/>
+          </a:prstGeom>
+        </p:spPr>
+        <p:txBody>
+          <a:bodyPr wrap="none">
+            <a:spAutoFit/>
+          </a:bodyPr>
+          <a:lstStyle/>
+          <a:p>
+            <a:pPr algn="ctr" defTabSz="914034"/>
+            <a:r>
+              <a:rPr lang="en-US" sz="3600" b="1" dirty="0" err="1" smtClean="0">
+                <a:solidFill>
+                  <a:prstClr val="black"/>
+                </a:solidFill>
+                <a:latin typeface="Helvetica" panose="020B0604020202020204" pitchFamily="34" charset="0"/>
+                <a:cs typeface="Helvetica" panose="020B0604020202020204" pitchFamily="34" charset="0"/>
+              </a:rPr>
+              <a:t>PatchNet</a:t>
+            </a:r>
+            <a:endParaRPr lang="en-US" sz="3600" b="1" dirty="0">
+              <a:solidFill>
+                <a:prstClr val="black"/>
+              </a:solidFill>
+              <a:latin typeface="Helvetica" panose="020B0604020202020204" pitchFamily="34" charset="0"/>
+              <a:cs typeface="Helvetica" panose="020B0604020202020204" pitchFamily="34" charset="0"/>
+            </a:endParaRPr>
+          </a:p>
+        </p:txBody>
+      </p:sp>
+      <p:sp>
+        <p:nvSpPr>
+          <p:cNvPr id="26" name="Rounded Rectangle 25"/>
+          <p:cNvSpPr/>
+          <p:nvPr/>
+        </p:nvSpPr>
+        <p:spPr>
+          <a:xfrm>
+            <a:off x="6496570" y="3737281"/>
+            <a:ext cx="1752600" cy="671243"/>
+          </a:xfrm>
+          <a:prstGeom prst="roundRect">
+            <a:avLst>
+              <a:gd name="adj" fmla="val 10667"/>
+            </a:avLst>
+          </a:prstGeom>
+          <a:solidFill>
+            <a:srgbClr val="FFC000">
+              <a:lumMod val="20000"/>
+              <a:lumOff val="80000"/>
+            </a:srgbClr>
+          </a:solidFill>
+          <a:ln w="19050" cap="flat" cmpd="sng" algn="ctr">
+            <a:solidFill>
+              <a:sysClr val="windowText" lastClr="000000"/>
+            </a:solidFill>
+            <a:prstDash val="sysDash"/>
+            <a:miter lim="800000"/>
+          </a:ln>
+          <a:effectLst/>
+        </p:spPr>
+        <p:txBody>
+          <a:bodyPr rtlCol="0" anchor="ctr"/>
+          <a:lstStyle/>
+          <a:p>
+            <a:pPr marL="0" marR="0" lvl="0" indent="0" algn="ctr" defTabSz="914034" eaLnBrk="1" fontAlgn="auto" latinLnBrk="0" hangingPunct="1">
+              <a:lnSpc>
+                <a:spcPct val="100000"/>
+              </a:lnSpc>
+              <a:spcBef>
+                <a:spcPts val="0"/>
+              </a:spcBef>
+              <a:spcAft>
+                <a:spcPts val="0"/>
+              </a:spcAft>
+              <a:buClrTx/>
+              <a:buSzTx/>
+              <a:buFontTx/>
+              <a:buNone/>
+              <a:tabLst/>
+              <a:defRPr/>
+            </a:pPr>
+            <a:r>
+              <a:rPr kumimoji="0" lang="en-US" b="0" i="0" u="none" strike="noStrike" kern="0" cap="none" spc="0" normalizeH="0" baseline="0" noProof="0" dirty="0" smtClean="0">
+                <a:ln>
+                  <a:noFill/>
+                </a:ln>
+                <a:solidFill>
+                  <a:prstClr val="black"/>
+                </a:solidFill>
+                <a:effectLst/>
+                <a:uLnTx/>
+                <a:uFillTx/>
+                <a:latin typeface="Helvetica" panose="020B0604020202020204" pitchFamily="34" charset="0"/>
+                <a:cs typeface="Helvetica" panose="020B0604020202020204" pitchFamily="34" charset="0"/>
+              </a:rPr>
+              <a:t>Commit line module</a:t>
+            </a:r>
+            <a:endParaRPr kumimoji="0" lang="en-US" b="0" i="0" u="none" strike="noStrike" kern="0" cap="none" spc="0" normalizeH="0" baseline="0" noProof="0" dirty="0">
+              <a:ln>
+                <a:noFill/>
+              </a:ln>
+              <a:solidFill>
+                <a:prstClr val="black"/>
+              </a:solidFill>
+              <a:effectLst/>
+              <a:uLnTx/>
+              <a:uFillTx/>
+              <a:latin typeface="Helvetica" panose="020B0604020202020204" pitchFamily="34" charset="0"/>
+              <a:cs typeface="Helvetica" panose="020B0604020202020204" pitchFamily="34" charset="0"/>
+            </a:endParaRPr>
+          </a:p>
+        </p:txBody>
+      </p:sp>
+      <p:sp>
+        <p:nvSpPr>
+          <p:cNvPr id="27" name="Rectangle 26"/>
+          <p:cNvSpPr/>
+          <p:nvPr/>
+        </p:nvSpPr>
+        <p:spPr>
+          <a:xfrm>
+            <a:off x="6251404" y="4436884"/>
+            <a:ext cx="2159567" cy="369332"/>
+          </a:xfrm>
+          <a:prstGeom prst="rect">
+            <a:avLst/>
+          </a:prstGeom>
+        </p:spPr>
+        <p:txBody>
+          <a:bodyPr wrap="none">
+            <a:spAutoFit/>
+          </a:bodyPr>
+          <a:lstStyle/>
+          <a:p>
+            <a:pPr lvl="0" algn="ctr" defTabSz="914034">
+              <a:defRPr/>
+            </a:pPr>
+            <a:r>
+              <a:rPr lang="en-US" kern="0" dirty="0">
+                <a:solidFill>
+                  <a:prstClr val="black"/>
+                </a:solidFill>
+                <a:latin typeface="Helvetica" panose="020B0604020202020204" pitchFamily="34" charset="0"/>
+                <a:cs typeface="Helvetica" panose="020B0604020202020204" pitchFamily="34" charset="0"/>
+              </a:rPr>
+              <a:t>Commit file module</a:t>
+            </a:r>
+          </a:p>
+        </p:txBody>
+      </p:sp>
+    </p:spTree>
+    <p:extLst>
+      <p:ext uri="{BB962C8B-B14F-4D97-AF65-F5344CB8AC3E}">
+        <p14:creationId xmlns:p14="http://schemas.microsoft.com/office/powerpoint/2010/main" val="54471947"/>
+      </p:ext>
+    </p:extLst>
+  </p:cSld>
+  <p:clrMapOvr>
+    <a:masterClrMapping/>
+  </p:clrMapOvr>
+</p:sld>
+</file>
+
 <file path=ppt/theme/theme1.xml><?xml version="1.0" encoding="utf-8"?>
 <a:theme xmlns:a="http://schemas.openxmlformats.org/drawingml/2006/main" name="Office Theme">
   <a:themeElements>
